--- a/consult/03-output/Consult-WBE-presentation.pptx
+++ b/consult/03-output/Consult-WBE-presentation.pptx
@@ -5,7 +5,7 @@
     <p:sldMasterId id="2147483660" r:id="rId1"/>
   </p:sldMasterIdLst>
   <p:notesMasterIdLst>
-    <p:notesMasterId r:id="rId25"/>
+    <p:notesMasterId r:id="rId28"/>
   </p:notesMasterIdLst>
   <p:sldIdLst>
     <p:sldId id="256" r:id="rId2"/>
@@ -15,22 +15,25 @@
     <p:sldId id="330" r:id="rId6"/>
     <p:sldId id="266" r:id="rId7"/>
     <p:sldId id="267" r:id="rId8"/>
-    <p:sldId id="271" r:id="rId9"/>
-    <p:sldId id="272" r:id="rId10"/>
-    <p:sldId id="268" r:id="rId11"/>
-    <p:sldId id="273" r:id="rId12"/>
-    <p:sldId id="275" r:id="rId13"/>
-    <p:sldId id="269" r:id="rId14"/>
-    <p:sldId id="274" r:id="rId15"/>
-    <p:sldId id="276" r:id="rId16"/>
-    <p:sldId id="270" r:id="rId17"/>
-    <p:sldId id="592" r:id="rId18"/>
-    <p:sldId id="594" r:id="rId19"/>
-    <p:sldId id="593" r:id="rId20"/>
-    <p:sldId id="595" r:id="rId21"/>
-    <p:sldId id="596" r:id="rId22"/>
-    <p:sldId id="597" r:id="rId23"/>
-    <p:sldId id="598" r:id="rId24"/>
+    <p:sldId id="600" r:id="rId9"/>
+    <p:sldId id="601" r:id="rId10"/>
+    <p:sldId id="599" r:id="rId11"/>
+    <p:sldId id="271" r:id="rId12"/>
+    <p:sldId id="272" r:id="rId13"/>
+    <p:sldId id="268" r:id="rId14"/>
+    <p:sldId id="273" r:id="rId15"/>
+    <p:sldId id="275" r:id="rId16"/>
+    <p:sldId id="269" r:id="rId17"/>
+    <p:sldId id="274" r:id="rId18"/>
+    <p:sldId id="276" r:id="rId19"/>
+    <p:sldId id="270" r:id="rId20"/>
+    <p:sldId id="592" r:id="rId21"/>
+    <p:sldId id="594" r:id="rId22"/>
+    <p:sldId id="593" r:id="rId23"/>
+    <p:sldId id="595" r:id="rId24"/>
+    <p:sldId id="596" r:id="rId25"/>
+    <p:sldId id="597" r:id="rId26"/>
+    <p:sldId id="598" r:id="rId27"/>
   </p:sldIdLst>
   <p:sldSz cx="14630400" cy="8229600"/>
   <p:notesSz cx="6858000" cy="9144000"/>
@@ -129,6 +132,11 @@
       </a:defRPr>
     </a:lvl9pPr>
   </p:defaultTextStyle>
+  <p:extLst>
+    <p:ext uri="{EFAFB233-063F-42B5-8137-9DF3F51BA10A}">
+      <p15:sldGuideLst xmlns:p15="http://schemas.microsoft.com/office/powerpoint/2012/main"/>
+    </p:ext>
+  </p:extLst>
 </p:presentation>
 </file>
 
@@ -214,7 +222,7 @@
           <a:p>
             <a:fld id="{6B2BB5D7-44C7-40C1-A41B-58CBD8B22677}" type="datetimeFigureOut">
               <a:rPr lang="en-US" smtClean="0"/>
-              <a:t>30-Apr-21</a:t>
+              <a:t>03-May-21</a:t>
             </a:fld>
             <a:endParaRPr lang="en-US"/>
           </a:p>
@@ -745,7 +753,7 @@
           <a:p>
             <a:fld id="{6DFCB22D-3BC2-4376-95E2-2A5356965CAA}" type="datetimeFigureOut">
               <a:rPr lang="en-US" smtClean="0"/>
-              <a:t>30-Apr-21</a:t>
+              <a:t>03-May-21</a:t>
             </a:fld>
             <a:endParaRPr lang="en-US"/>
           </a:p>
@@ -915,7 +923,7 @@
           <a:p>
             <a:fld id="{6DFCB22D-3BC2-4376-95E2-2A5356965CAA}" type="datetimeFigureOut">
               <a:rPr lang="en-US" smtClean="0"/>
-              <a:t>30-Apr-21</a:t>
+              <a:t>03-May-21</a:t>
             </a:fld>
             <a:endParaRPr lang="en-US"/>
           </a:p>
@@ -1095,7 +1103,7 @@
           <a:p>
             <a:fld id="{6DFCB22D-3BC2-4376-95E2-2A5356965CAA}" type="datetimeFigureOut">
               <a:rPr lang="en-US" smtClean="0"/>
-              <a:t>30-Apr-21</a:t>
+              <a:t>03-May-21</a:t>
             </a:fld>
             <a:endParaRPr lang="en-US"/>
           </a:p>
@@ -1265,7 +1273,7 @@
           <a:p>
             <a:fld id="{6DFCB22D-3BC2-4376-95E2-2A5356965CAA}" type="datetimeFigureOut">
               <a:rPr lang="en-US" smtClean="0"/>
-              <a:t>30-Apr-21</a:t>
+              <a:t>03-May-21</a:t>
             </a:fld>
             <a:endParaRPr lang="en-US"/>
           </a:p>
@@ -1511,7 +1519,7 @@
           <a:p>
             <a:fld id="{6DFCB22D-3BC2-4376-95E2-2A5356965CAA}" type="datetimeFigureOut">
               <a:rPr lang="en-US" smtClean="0"/>
-              <a:t>30-Apr-21</a:t>
+              <a:t>03-May-21</a:t>
             </a:fld>
             <a:endParaRPr lang="en-US"/>
           </a:p>
@@ -1743,7 +1751,7 @@
           <a:p>
             <a:fld id="{6DFCB22D-3BC2-4376-95E2-2A5356965CAA}" type="datetimeFigureOut">
               <a:rPr lang="en-US" smtClean="0"/>
-              <a:t>30-Apr-21</a:t>
+              <a:t>03-May-21</a:t>
             </a:fld>
             <a:endParaRPr lang="en-US"/>
           </a:p>
@@ -2110,7 +2118,7 @@
           <a:p>
             <a:fld id="{6DFCB22D-3BC2-4376-95E2-2A5356965CAA}" type="datetimeFigureOut">
               <a:rPr lang="en-US" smtClean="0"/>
-              <a:t>30-Apr-21</a:t>
+              <a:t>03-May-21</a:t>
             </a:fld>
             <a:endParaRPr lang="en-US"/>
           </a:p>
@@ -2228,7 +2236,7 @@
           <a:p>
             <a:fld id="{6DFCB22D-3BC2-4376-95E2-2A5356965CAA}" type="datetimeFigureOut">
               <a:rPr lang="en-US" smtClean="0"/>
-              <a:t>30-Apr-21</a:t>
+              <a:t>03-May-21</a:t>
             </a:fld>
             <a:endParaRPr lang="en-US"/>
           </a:p>
@@ -2323,7 +2331,7 @@
           <a:p>
             <a:fld id="{6DFCB22D-3BC2-4376-95E2-2A5356965CAA}" type="datetimeFigureOut">
               <a:rPr lang="en-US" smtClean="0"/>
-              <a:t>30-Apr-21</a:t>
+              <a:t>03-May-21</a:t>
             </a:fld>
             <a:endParaRPr lang="en-US"/>
           </a:p>
@@ -2600,7 +2608,7 @@
           <a:p>
             <a:fld id="{6DFCB22D-3BC2-4376-95E2-2A5356965CAA}" type="datetimeFigureOut">
               <a:rPr lang="en-US" smtClean="0"/>
-              <a:t>30-Apr-21</a:t>
+              <a:t>03-May-21</a:t>
             </a:fld>
             <a:endParaRPr lang="en-US"/>
           </a:p>
@@ -2857,7 +2865,7 @@
           <a:p>
             <a:fld id="{6DFCB22D-3BC2-4376-95E2-2A5356965CAA}" type="datetimeFigureOut">
               <a:rPr lang="en-US" smtClean="0"/>
-              <a:t>30-Apr-21</a:t>
+              <a:t>03-May-21</a:t>
             </a:fld>
             <a:endParaRPr lang="en-US"/>
           </a:p>
@@ -3070,7 +3078,7 @@
           <a:p>
             <a:fld id="{6DFCB22D-3BC2-4376-95E2-2A5356965CAA}" type="datetimeFigureOut">
               <a:rPr lang="en-US" smtClean="0"/>
-              <a:t>30-Apr-21</a:t>
+              <a:t>03-May-21</a:t>
             </a:fld>
             <a:endParaRPr lang="en-US"/>
           </a:p>
@@ -3682,6 +3690,422 @@
           <a:chExt cx="0" cy="0"/>
         </a:xfrm>
       </p:grpSpPr>
+      <p:pic>
+        <p:nvPicPr>
+          <p:cNvPr id="9" name="Picture 8" descr="A picture containing graphical user interface&#10;&#10;Description automatically generated">
+            <a:extLst>
+              <a:ext uri="{FF2B5EF4-FFF2-40B4-BE49-F238E27FC236}">
+                <a16:creationId xmlns:a16="http://schemas.microsoft.com/office/drawing/2014/main" id="{B7226207-0963-45C5-BC91-1D2932CFB331}"/>
+              </a:ext>
+            </a:extLst>
+          </p:cNvPr>
+          <p:cNvPicPr>
+            <a:picLocks noChangeAspect="1"/>
+          </p:cNvPicPr>
+          <p:nvPr/>
+        </p:nvPicPr>
+        <p:blipFill>
+          <a:blip r:embed="rId2">
+            <a:extLst>
+              <a:ext uri="{28A0092B-C50C-407E-A947-70E740481C1C}">
+                <a14:useLocalDpi xmlns:a14="http://schemas.microsoft.com/office/drawing/2010/main" val="0"/>
+              </a:ext>
+            </a:extLst>
+          </a:blip>
+          <a:stretch>
+            <a:fillRect/>
+          </a:stretch>
+        </p:blipFill>
+        <p:spPr>
+          <a:xfrm>
+            <a:off x="0" y="0"/>
+            <a:ext cx="14630400" cy="8229600"/>
+          </a:xfrm>
+          <a:prstGeom prst="rect">
+            <a:avLst/>
+          </a:prstGeom>
+        </p:spPr>
+      </p:pic>
+    </p:spTree>
+    <p:extLst>
+      <p:ext uri="{BB962C8B-B14F-4D97-AF65-F5344CB8AC3E}">
+        <p14:creationId xmlns:p14="http://schemas.microsoft.com/office/powerpoint/2010/main" val="908430907"/>
+      </p:ext>
+    </p:extLst>
+  </p:cSld>
+  <p:clrMapOvr>
+    <a:masterClrMapping/>
+  </p:clrMapOvr>
+</p:sld>
+</file>
+
+<file path=ppt/slides/slide11.xml><?xml version="1.0" encoding="utf-8"?>
+<p:sld xmlns:a="http://schemas.openxmlformats.org/drawingml/2006/main" xmlns:r="http://schemas.openxmlformats.org/officeDocument/2006/relationships" xmlns:p="http://schemas.openxmlformats.org/presentationml/2006/main">
+  <p:cSld>
+    <p:spTree>
+      <p:nvGrpSpPr>
+        <p:cNvPr id="1" name=""/>
+        <p:cNvGrpSpPr/>
+        <p:nvPr/>
+      </p:nvGrpSpPr>
+      <p:grpSpPr>
+        <a:xfrm>
+          <a:off x="0" y="0"/>
+          <a:ext cx="0" cy="0"/>
+          <a:chOff x="0" y="0"/>
+          <a:chExt cx="0" cy="0"/>
+        </a:xfrm>
+      </p:grpSpPr>
+      <p:pic>
+        <p:nvPicPr>
+          <p:cNvPr id="7" name="Picture 6" descr="A picture containing different, line&#10;&#10;Description automatically generated">
+            <a:extLst>
+              <a:ext uri="{FF2B5EF4-FFF2-40B4-BE49-F238E27FC236}">
+                <a16:creationId xmlns:a16="http://schemas.microsoft.com/office/drawing/2014/main" id="{8BCBDF50-B1A1-441B-8C83-97426A912755}"/>
+              </a:ext>
+            </a:extLst>
+          </p:cNvPr>
+          <p:cNvPicPr>
+            <a:picLocks noChangeAspect="1"/>
+          </p:cNvPicPr>
+          <p:nvPr/>
+        </p:nvPicPr>
+        <p:blipFill>
+          <a:blip r:embed="rId2">
+            <a:extLst>
+              <a:ext uri="{28A0092B-C50C-407E-A947-70E740481C1C}">
+                <a14:useLocalDpi xmlns:a14="http://schemas.microsoft.com/office/drawing/2010/main" val="0"/>
+              </a:ext>
+            </a:extLst>
+          </a:blip>
+          <a:stretch>
+            <a:fillRect/>
+          </a:stretch>
+        </p:blipFill>
+        <p:spPr>
+          <a:xfrm>
+            <a:off x="0" y="0"/>
+            <a:ext cx="8778258" cy="4937770"/>
+          </a:xfrm>
+          <a:prstGeom prst="rect">
+            <a:avLst/>
+          </a:prstGeom>
+        </p:spPr>
+      </p:pic>
+      <p:pic>
+        <p:nvPicPr>
+          <p:cNvPr id="9" name="Picture 8" descr="Diagram&#10;&#10;Description automatically generated">
+            <a:extLst>
+              <a:ext uri="{FF2B5EF4-FFF2-40B4-BE49-F238E27FC236}">
+                <a16:creationId xmlns:a16="http://schemas.microsoft.com/office/drawing/2014/main" id="{9F405E47-1A4F-4E6D-88E7-5B30C89B9901}"/>
+              </a:ext>
+            </a:extLst>
+          </p:cNvPr>
+          <p:cNvPicPr>
+            <a:picLocks noChangeAspect="1"/>
+          </p:cNvPicPr>
+          <p:nvPr/>
+        </p:nvPicPr>
+        <p:blipFill>
+          <a:blip r:embed="rId3">
+            <a:extLst>
+              <a:ext uri="{28A0092B-C50C-407E-A947-70E740481C1C}">
+                <a14:useLocalDpi xmlns:a14="http://schemas.microsoft.com/office/drawing/2010/main" val="0"/>
+              </a:ext>
+            </a:extLst>
+          </a:blip>
+          <a:stretch>
+            <a:fillRect/>
+          </a:stretch>
+        </p:blipFill>
+        <p:spPr>
+          <a:xfrm>
+            <a:off x="8778228" y="337531"/>
+            <a:ext cx="5852172" cy="3291847"/>
+          </a:xfrm>
+          <a:prstGeom prst="rect">
+            <a:avLst/>
+          </a:prstGeom>
+        </p:spPr>
+      </p:pic>
+      <p:pic>
+        <p:nvPicPr>
+          <p:cNvPr id="11" name="Picture 10" descr="Chart&#10;&#10;Description automatically generated with medium confidence">
+            <a:extLst>
+              <a:ext uri="{FF2B5EF4-FFF2-40B4-BE49-F238E27FC236}">
+                <a16:creationId xmlns:a16="http://schemas.microsoft.com/office/drawing/2014/main" id="{6EE89115-F527-4B52-911C-B1BD32C19D6E}"/>
+              </a:ext>
+            </a:extLst>
+          </p:cNvPr>
+          <p:cNvPicPr>
+            <a:picLocks noChangeAspect="1"/>
+          </p:cNvPicPr>
+          <p:nvPr/>
+        </p:nvPicPr>
+        <p:blipFill>
+          <a:blip r:embed="rId4">
+            <a:extLst>
+              <a:ext uri="{28A0092B-C50C-407E-A947-70E740481C1C}">
+                <a14:useLocalDpi xmlns:a14="http://schemas.microsoft.com/office/drawing/2010/main" val="0"/>
+              </a:ext>
+            </a:extLst>
+          </a:blip>
+          <a:stretch>
+            <a:fillRect/>
+          </a:stretch>
+        </p:blipFill>
+        <p:spPr>
+          <a:xfrm>
+            <a:off x="8778228" y="4600222"/>
+            <a:ext cx="5852172" cy="3291847"/>
+          </a:xfrm>
+          <a:prstGeom prst="rect">
+            <a:avLst/>
+          </a:prstGeom>
+        </p:spPr>
+      </p:pic>
+      <p:sp>
+        <p:nvSpPr>
+          <p:cNvPr id="12" name="TextBox 11">
+            <a:extLst>
+              <a:ext uri="{FF2B5EF4-FFF2-40B4-BE49-F238E27FC236}">
+                <a16:creationId xmlns:a16="http://schemas.microsoft.com/office/drawing/2014/main" id="{603BC529-55D8-48AD-BBE8-71713A34314B}"/>
+              </a:ext>
+            </a:extLst>
+          </p:cNvPr>
+          <p:cNvSpPr txBox="1"/>
+          <p:nvPr/>
+        </p:nvSpPr>
+        <p:spPr>
+          <a:xfrm>
+            <a:off x="0" y="5226756"/>
+            <a:ext cx="8778228" cy="2862322"/>
+          </a:xfrm>
+          <a:prstGeom prst="rect">
+            <a:avLst/>
+          </a:prstGeom>
+          <a:noFill/>
+        </p:spPr>
+        <p:txBody>
+          <a:bodyPr wrap="square" rtlCol="0">
+            <a:spAutoFit/>
+          </a:bodyPr>
+          <a:lstStyle/>
+          <a:p>
+            <a:pPr marL="285750" indent="-285750">
+              <a:buFont typeface="Arial" panose="020B0604020202020204" pitchFamily="34" charset="0"/>
+              <a:buChar char="•"/>
+            </a:pPr>
+            <a:r>
+              <a:rPr lang="en-US" dirty="0">
+                <a:latin typeface="Avenir Next LT Pro" panose="020B0504020202020204" pitchFamily="34" charset="0"/>
+              </a:rPr>
+              <a:t>1567 of 2124 (73.7%) undetermined</a:t>
+            </a:r>
+          </a:p>
+          <a:p>
+            <a:pPr marL="285750" indent="-285750">
+              <a:buFont typeface="Arial" panose="020B0604020202020204" pitchFamily="34" charset="0"/>
+              <a:buChar char="•"/>
+            </a:pPr>
+            <a:r>
+              <a:rPr lang="en-US" dirty="0">
+                <a:latin typeface="Avenir Next LT Pro" panose="020B0504020202020204" pitchFamily="34" charset="0"/>
+              </a:rPr>
+              <a:t>Average of 13 positive results for each day</a:t>
+            </a:r>
+          </a:p>
+          <a:p>
+            <a:pPr marL="285750" indent="-285750">
+              <a:buFont typeface="Arial" panose="020B0604020202020204" pitchFamily="34" charset="0"/>
+              <a:buChar char="•"/>
+            </a:pPr>
+            <a:r>
+              <a:rPr lang="en-US" dirty="0">
+                <a:latin typeface="Avenir Next LT Pro" panose="020B0504020202020204" pitchFamily="34" charset="0"/>
+              </a:rPr>
+              <a:t>Over 80% of sampling dates have more than 6 positive results</a:t>
+            </a:r>
+          </a:p>
+          <a:p>
+            <a:pPr marL="285750" indent="-285750">
+              <a:buFont typeface="Arial" panose="020B0604020202020204" pitchFamily="34" charset="0"/>
+              <a:buChar char="•"/>
+            </a:pPr>
+            <a:endParaRPr lang="en-US" dirty="0">
+              <a:latin typeface="Avenir Next LT Pro" panose="020B0504020202020204" pitchFamily="34" charset="0"/>
+            </a:endParaRPr>
+          </a:p>
+          <a:p>
+            <a:pPr marL="285750" indent="-285750">
+              <a:buFont typeface="Arial" panose="020B0604020202020204" pitchFamily="34" charset="0"/>
+              <a:buChar char="•"/>
+            </a:pPr>
+            <a:r>
+              <a:rPr lang="en-US" dirty="0">
+                <a:latin typeface="Avenir Next LT Pro" panose="020B0504020202020204" pitchFamily="34" charset="0"/>
+              </a:rPr>
+              <a:t>At technical and biological replicate levels, significant facility differences in probabilities of undetermined results (p = 0.004 and p = 0.003, respectively) after controlling for sequence target.</a:t>
+            </a:r>
+          </a:p>
+          <a:p>
+            <a:pPr marL="742950" lvl="1" indent="-285750">
+              <a:buFont typeface="Arial" panose="020B0604020202020204" pitchFamily="34" charset="0"/>
+              <a:buChar char="•"/>
+            </a:pPr>
+            <a:r>
+              <a:rPr lang="en-US" dirty="0">
+                <a:latin typeface="Avenir Next LT Pro" panose="020B0504020202020204" pitchFamily="34" charset="0"/>
+              </a:rPr>
+              <a:t>Cedar Creek samples were more likely undetermined</a:t>
+            </a:r>
+          </a:p>
+          <a:p>
+            <a:pPr marL="285750" indent="-285750">
+              <a:buFont typeface="Arial" panose="020B0604020202020204" pitchFamily="34" charset="0"/>
+              <a:buChar char="•"/>
+            </a:pPr>
+            <a:r>
+              <a:rPr lang="en-US" dirty="0">
+                <a:latin typeface="Avenir Next LT Pro" panose="020B0504020202020204" pitchFamily="34" charset="0"/>
+              </a:rPr>
+              <a:t>No significant differences at sampling date level, nor for viral sequence target at any levels (multiple logistic regression* with both target and facility included)</a:t>
+            </a:r>
+          </a:p>
+        </p:txBody>
+      </p:sp>
+    </p:spTree>
+    <p:extLst>
+      <p:ext uri="{BB962C8B-B14F-4D97-AF65-F5344CB8AC3E}">
+        <p14:creationId xmlns:p14="http://schemas.microsoft.com/office/powerpoint/2010/main" val="2418482336"/>
+      </p:ext>
+    </p:extLst>
+  </p:cSld>
+  <p:clrMapOvr>
+    <a:masterClrMapping/>
+  </p:clrMapOvr>
+</p:sld>
+</file>
+
+<file path=ppt/slides/slide12.xml><?xml version="1.0" encoding="utf-8"?>
+<p:sld xmlns:a="http://schemas.openxmlformats.org/drawingml/2006/main" xmlns:r="http://schemas.openxmlformats.org/officeDocument/2006/relationships" xmlns:p="http://schemas.openxmlformats.org/presentationml/2006/main">
+  <p:cSld>
+    <p:spTree>
+      <p:nvGrpSpPr>
+        <p:cNvPr id="1" name=""/>
+        <p:cNvGrpSpPr/>
+        <p:nvPr/>
+      </p:nvGrpSpPr>
+      <p:grpSpPr>
+        <a:xfrm>
+          <a:off x="0" y="0"/>
+          <a:ext cx="0" cy="0"/>
+          <a:chOff x="0" y="0"/>
+          <a:chExt cx="0" cy="0"/>
+        </a:xfrm>
+      </p:grpSpPr>
+      <p:pic>
+        <p:nvPicPr>
+          <p:cNvPr id="3" name="Picture 2" descr="Chart, histogram&#10;&#10;Description automatically generated">
+            <a:extLst>
+              <a:ext uri="{FF2B5EF4-FFF2-40B4-BE49-F238E27FC236}">
+                <a16:creationId xmlns:a16="http://schemas.microsoft.com/office/drawing/2014/main" id="{4F6169A0-2277-430B-81CA-726FC03FAE4B}"/>
+              </a:ext>
+            </a:extLst>
+          </p:cNvPr>
+          <p:cNvPicPr>
+            <a:picLocks noChangeAspect="1"/>
+          </p:cNvPicPr>
+          <p:nvPr/>
+        </p:nvPicPr>
+        <p:blipFill>
+          <a:blip r:embed="rId2">
+            <a:extLst>
+              <a:ext uri="{28A0092B-C50C-407E-A947-70E740481C1C}">
+                <a14:useLocalDpi xmlns:a14="http://schemas.microsoft.com/office/drawing/2010/main" val="0"/>
+              </a:ext>
+            </a:extLst>
+          </a:blip>
+          <a:stretch>
+            <a:fillRect/>
+          </a:stretch>
+        </p:blipFill>
+        <p:spPr>
+          <a:xfrm>
+            <a:off x="0" y="1645915"/>
+            <a:ext cx="8778258" cy="4937770"/>
+          </a:xfrm>
+          <a:prstGeom prst="rect">
+            <a:avLst/>
+          </a:prstGeom>
+        </p:spPr>
+      </p:pic>
+      <p:pic>
+        <p:nvPicPr>
+          <p:cNvPr id="7" name="Picture 6" descr="Diagram&#10;&#10;Description automatically generated">
+            <a:extLst>
+              <a:ext uri="{FF2B5EF4-FFF2-40B4-BE49-F238E27FC236}">
+                <a16:creationId xmlns:a16="http://schemas.microsoft.com/office/drawing/2014/main" id="{7DEDA44B-C0DB-44F8-BA84-2B9FB710CE62}"/>
+              </a:ext>
+            </a:extLst>
+          </p:cNvPr>
+          <p:cNvPicPr>
+            <a:picLocks noChangeAspect="1"/>
+          </p:cNvPicPr>
+          <p:nvPr/>
+        </p:nvPicPr>
+        <p:blipFill>
+          <a:blip r:embed="rId3">
+            <a:extLst>
+              <a:ext uri="{28A0092B-C50C-407E-A947-70E740481C1C}">
+                <a14:useLocalDpi xmlns:a14="http://schemas.microsoft.com/office/drawing/2010/main" val="0"/>
+              </a:ext>
+            </a:extLst>
+          </a:blip>
+          <a:stretch>
+            <a:fillRect/>
+          </a:stretch>
+        </p:blipFill>
+        <p:spPr>
+          <a:xfrm>
+            <a:off x="8778258" y="822953"/>
+            <a:ext cx="5852172" cy="6583693"/>
+          </a:xfrm>
+          <a:prstGeom prst="rect">
+            <a:avLst/>
+          </a:prstGeom>
+        </p:spPr>
+      </p:pic>
+    </p:spTree>
+    <p:extLst>
+      <p:ext uri="{BB962C8B-B14F-4D97-AF65-F5344CB8AC3E}">
+        <p14:creationId xmlns:p14="http://schemas.microsoft.com/office/powerpoint/2010/main" val="2487671756"/>
+      </p:ext>
+    </p:extLst>
+  </p:cSld>
+  <p:clrMapOvr>
+    <a:masterClrMapping/>
+  </p:clrMapOvr>
+</p:sld>
+</file>
+
+<file path=ppt/slides/slide13.xml><?xml version="1.0" encoding="utf-8"?>
+<p:sld xmlns:a="http://schemas.openxmlformats.org/drawingml/2006/main" xmlns:r="http://schemas.openxmlformats.org/officeDocument/2006/relationships" xmlns:p="http://schemas.openxmlformats.org/presentationml/2006/main">
+  <p:cSld>
+    <p:spTree>
+      <p:nvGrpSpPr>
+        <p:cNvPr id="1" name=""/>
+        <p:cNvGrpSpPr/>
+        <p:nvPr/>
+      </p:nvGrpSpPr>
+      <p:grpSpPr>
+        <a:xfrm>
+          <a:off x="0" y="0"/>
+          <a:ext cx="0" cy="0"/>
+          <a:chOff x="0" y="0"/>
+          <a:chExt cx="0" cy="0"/>
+        </a:xfrm>
+      </p:grpSpPr>
       <p:sp>
         <p:nvSpPr>
           <p:cNvPr id="2" name="Title 1">
@@ -4088,7 +4512,7 @@
 </p:sld>
 </file>
 
-<file path=ppt/slides/slide11.xml><?xml version="1.0" encoding="utf-8"?>
+<file path=ppt/slides/slide14.xml><?xml version="1.0" encoding="utf-8"?>
 <p:sld xmlns:a="http://schemas.openxmlformats.org/drawingml/2006/main" xmlns:r="http://schemas.openxmlformats.org/officeDocument/2006/relationships" xmlns:p="http://schemas.openxmlformats.org/presentationml/2006/main">
   <p:cSld>
     <p:spTree>
@@ -4171,8 +4595,8 @@
           </a:prstGeom>
         </p:spPr>
       </p:pic>
-      <mc:AlternateContent xmlns:mc="http://schemas.openxmlformats.org/markup-compatibility/2006">
-        <mc:Choice xmlns:a14="http://schemas.microsoft.com/office/drawing/2010/main" Requires="a14">
+      <mc:AlternateContent xmlns:mc="http://schemas.openxmlformats.org/markup-compatibility/2006" xmlns:a14="http://schemas.microsoft.com/office/drawing/2010/main">
+        <mc:Choice Requires="a14">
           <p:sp>
             <p:nvSpPr>
               <p:cNvPr id="19" name="TextBox 18">
@@ -4486,7 +4910,7 @@
             </p:txBody>
           </p:sp>
         </mc:Choice>
-        <mc:Fallback>
+        <mc:Fallback xmlns="">
           <p:sp>
             <p:nvSpPr>
               <p:cNvPr id="19" name="TextBox 18">
@@ -4544,7 +4968,7 @@
 </p:sld>
 </file>
 
-<file path=ppt/slides/slide12.xml><?xml version="1.0" encoding="utf-8"?>
+<file path=ppt/slides/slide15.xml><?xml version="1.0" encoding="utf-8"?>
 <p:sld xmlns:a="http://schemas.openxmlformats.org/drawingml/2006/main" xmlns:r="http://schemas.openxmlformats.org/officeDocument/2006/relationships" xmlns:p="http://schemas.openxmlformats.org/presentationml/2006/main">
   <p:cSld>
     <p:spTree>
@@ -5885,36 +6309,6 @@
           </a:graphicData>
         </a:graphic>
       </p:graphicFrame>
-      <p:pic>
-        <p:nvPicPr>
-          <p:cNvPr id="4" name="Picture 3">
-            <a:extLst>
-              <a:ext uri="{FF2B5EF4-FFF2-40B4-BE49-F238E27FC236}">
-                <a16:creationId xmlns:a16="http://schemas.microsoft.com/office/drawing/2014/main" id="{D14181F2-125F-49D4-9C4B-D3068E38838E}"/>
-              </a:ext>
-            </a:extLst>
-          </p:cNvPr>
-          <p:cNvPicPr>
-            <a:picLocks noChangeAspect="1"/>
-          </p:cNvPicPr>
-          <p:nvPr/>
-        </p:nvPicPr>
-        <p:blipFill>
-          <a:blip r:embed="rId3"/>
-          <a:stretch>
-            <a:fillRect/>
-          </a:stretch>
-        </p:blipFill>
-        <p:spPr>
-          <a:xfrm>
-            <a:off x="682493" y="4822415"/>
-            <a:ext cx="5950212" cy="506012"/>
-          </a:xfrm>
-          <a:prstGeom prst="rect">
-            <a:avLst/>
-          </a:prstGeom>
-        </p:spPr>
-      </p:pic>
       <p:graphicFrame>
         <p:nvGraphicFramePr>
           <p:cNvPr id="8" name="Table 12">
@@ -6129,6 +6523,36 @@
           </a:graphicData>
         </a:graphic>
       </p:graphicFrame>
+      <p:pic>
+        <p:nvPicPr>
+          <p:cNvPr id="6" name="Picture 5">
+            <a:extLst>
+              <a:ext uri="{FF2B5EF4-FFF2-40B4-BE49-F238E27FC236}">
+                <a16:creationId xmlns:a16="http://schemas.microsoft.com/office/drawing/2014/main" id="{CBA16A04-CDEF-418A-869B-F04EFEF5DE00}"/>
+              </a:ext>
+            </a:extLst>
+          </p:cNvPr>
+          <p:cNvPicPr>
+            <a:picLocks noChangeAspect="1"/>
+          </p:cNvPicPr>
+          <p:nvPr/>
+        </p:nvPicPr>
+        <p:blipFill>
+          <a:blip r:embed="rId3"/>
+          <a:stretch>
+            <a:fillRect/>
+          </a:stretch>
+        </p:blipFill>
+        <p:spPr>
+          <a:xfrm>
+            <a:off x="686560" y="4904254"/>
+            <a:ext cx="5942076" cy="473964"/>
+          </a:xfrm>
+          <a:prstGeom prst="rect">
+            <a:avLst/>
+          </a:prstGeom>
+        </p:spPr>
+      </p:pic>
     </p:spTree>
     <p:extLst>
       <p:ext uri="{BB962C8B-B14F-4D97-AF65-F5344CB8AC3E}">
@@ -6142,7 +6566,7 @@
 </p:sld>
 </file>
 
-<file path=ppt/slides/slide13.xml><?xml version="1.0" encoding="utf-8"?>
+<file path=ppt/slides/slide16.xml><?xml version="1.0" encoding="utf-8"?>
 <p:sld xmlns:a="http://schemas.openxmlformats.org/drawingml/2006/main" xmlns:r="http://schemas.openxmlformats.org/officeDocument/2006/relationships" xmlns:p="http://schemas.openxmlformats.org/presentationml/2006/main">
   <p:cSld>
     <p:spTree>
@@ -6560,7 +6984,7 @@
 </p:sld>
 </file>
 
-<file path=ppt/slides/slide14.xml><?xml version="1.0" encoding="utf-8"?>
+<file path=ppt/slides/slide17.xml><?xml version="1.0" encoding="utf-8"?>
 <p:sld xmlns:a="http://schemas.openxmlformats.org/drawingml/2006/main" xmlns:r="http://schemas.openxmlformats.org/officeDocument/2006/relationships" xmlns:p="http://schemas.openxmlformats.org/presentationml/2006/main">
   <p:cSld>
     <p:spTree>
@@ -6626,7 +7050,7 @@
 </p:sld>
 </file>
 
-<file path=ppt/slides/slide15.xml><?xml version="1.0" encoding="utf-8"?>
+<file path=ppt/slides/slide18.xml><?xml version="1.0" encoding="utf-8"?>
 <p:sld xmlns:a="http://schemas.openxmlformats.org/drawingml/2006/main" xmlns:r="http://schemas.openxmlformats.org/officeDocument/2006/relationships" xmlns:p="http://schemas.openxmlformats.org/presentationml/2006/main">
   <p:cSld>
     <p:spTree>
@@ -6768,8 +7192,8 @@
           </a:p>
         </p:txBody>
       </p:sp>
-      <mc:AlternateContent xmlns:mc="http://schemas.openxmlformats.org/markup-compatibility/2006">
-        <mc:Choice xmlns:a14="http://schemas.microsoft.com/office/drawing/2010/main" Requires="a14">
+      <mc:AlternateContent xmlns:mc="http://schemas.openxmlformats.org/markup-compatibility/2006" xmlns:a14="http://schemas.microsoft.com/office/drawing/2010/main">
+        <mc:Choice Requires="a14">
           <p:sp>
             <p:nvSpPr>
               <p:cNvPr id="9" name="TextBox 8">
@@ -6855,7 +7279,7 @@
             </p:txBody>
           </p:sp>
         </mc:Choice>
-        <mc:Fallback>
+        <mc:Fallback xmlns="">
           <p:sp>
             <p:nvSpPr>
               <p:cNvPr id="9" name="TextBox 8">
@@ -6913,7 +7337,7 @@
 </p:sld>
 </file>
 
-<file path=ppt/slides/slide16.xml><?xml version="1.0" encoding="utf-8"?>
+<file path=ppt/slides/slide19.xml><?xml version="1.0" encoding="utf-8"?>
 <p:sld xmlns:a="http://schemas.openxmlformats.org/drawingml/2006/main" xmlns:r="http://schemas.openxmlformats.org/officeDocument/2006/relationships" xmlns:p="http://schemas.openxmlformats.org/presentationml/2006/main">
   <p:cSld>
     <p:spTree>
@@ -7326,7 +7750,83 @@
 </p:sld>
 </file>
 
-<file path=ppt/slides/slide17.xml><?xml version="1.0" encoding="utf-8"?>
+<file path=ppt/slides/slide2.xml><?xml version="1.0" encoding="utf-8"?>
+<p:sld xmlns:a="http://schemas.openxmlformats.org/drawingml/2006/main" xmlns:r="http://schemas.openxmlformats.org/officeDocument/2006/relationships" xmlns:p="http://schemas.openxmlformats.org/presentationml/2006/main">
+  <p:cSld>
+    <p:spTree>
+      <p:nvGrpSpPr>
+        <p:cNvPr id="1" name=""/>
+        <p:cNvGrpSpPr/>
+        <p:nvPr/>
+      </p:nvGrpSpPr>
+      <p:grpSpPr>
+        <a:xfrm>
+          <a:off x="0" y="0"/>
+          <a:ext cx="0" cy="0"/>
+          <a:chOff x="0" y="0"/>
+          <a:chExt cx="0" cy="0"/>
+        </a:xfrm>
+      </p:grpSpPr>
+      <p:sp>
+        <p:nvSpPr>
+          <p:cNvPr id="3" name="Text Placeholder 2">
+            <a:extLst>
+              <a:ext uri="{FF2B5EF4-FFF2-40B4-BE49-F238E27FC236}">
+                <a16:creationId xmlns:a16="http://schemas.microsoft.com/office/drawing/2014/main" id="{9444D8A4-55C0-45A4-81E0-D7AE795EF1F8}"/>
+              </a:ext>
+            </a:extLst>
+          </p:cNvPr>
+          <p:cNvSpPr>
+            <a:spLocks noGrp="1"/>
+          </p:cNvSpPr>
+          <p:nvPr>
+            <p:ph type="body" idx="1"/>
+          </p:nvPr>
+        </p:nvSpPr>
+        <p:spPr>
+          <a:xfrm>
+            <a:off x="1005840" y="3209545"/>
+            <a:ext cx="12618720" cy="1810511"/>
+          </a:xfrm>
+          <a:ln w="76200">
+            <a:solidFill>
+              <a:srgbClr val="FF0000"/>
+            </a:solidFill>
+          </a:ln>
+        </p:spPr>
+        <p:txBody>
+          <a:bodyPr anchor="ctr">
+            <a:normAutofit/>
+          </a:bodyPr>
+          <a:lstStyle/>
+          <a:p>
+            <a:pPr algn="ctr"/>
+            <a:r>
+              <a:rPr lang="en-US" sz="5760" dirty="0">
+                <a:solidFill>
+                  <a:schemeClr val="tx1"/>
+                </a:solidFill>
+                <a:latin typeface="Avenir Next LT Pro Demi" panose="020B0704020202020204" pitchFamily="34" charset="0"/>
+              </a:rPr>
+              <a:t>Can the pandemic be monitored through wastewater surveillance?</a:t>
+            </a:r>
+          </a:p>
+        </p:txBody>
+      </p:sp>
+    </p:spTree>
+    <p:extLst>
+      <p:ext uri="{BB962C8B-B14F-4D97-AF65-F5344CB8AC3E}">
+        <p14:creationId xmlns:p14="http://schemas.microsoft.com/office/powerpoint/2010/main" val="1726345161"/>
+      </p:ext>
+    </p:extLst>
+  </p:cSld>
+  <p:clrMapOvr>
+    <a:masterClrMapping/>
+  </p:clrMapOvr>
+</p:sld>
+</file>
+
+<file path=ppt/slides/slide20.xml><?xml version="1.0" encoding="utf-8"?>
 <p:sld xmlns:a="http://schemas.openxmlformats.org/drawingml/2006/main" xmlns:r="http://schemas.openxmlformats.org/officeDocument/2006/relationships" xmlns:p="http://schemas.openxmlformats.org/presentationml/2006/main">
   <p:cSld>
     <p:spTree>
@@ -7730,7 +8230,7 @@
 </p:sld>
 </file>
 
-<file path=ppt/slides/slide18.xml><?xml version="1.0" encoding="utf-8"?>
+<file path=ppt/slides/slide21.xml><?xml version="1.0" encoding="utf-8"?>
 <p:sld xmlns:a="http://schemas.openxmlformats.org/drawingml/2006/main" xmlns:r="http://schemas.openxmlformats.org/officeDocument/2006/relationships" xmlns:p="http://schemas.openxmlformats.org/presentationml/2006/main">
   <p:cSld>
     <p:spTree>
@@ -7796,7 +8296,7 @@
 </p:sld>
 </file>
 
-<file path=ppt/slides/slide19.xml><?xml version="1.0" encoding="utf-8"?>
+<file path=ppt/slides/slide22.xml><?xml version="1.0" encoding="utf-8"?>
 <p:sld xmlns:a="http://schemas.openxmlformats.org/drawingml/2006/main" xmlns:r="http://schemas.openxmlformats.org/officeDocument/2006/relationships" xmlns:p="http://schemas.openxmlformats.org/presentationml/2006/main">
   <p:cSld>
     <p:spTree>
@@ -7896,7 +8396,7 @@
 </p:sld>
 </file>
 
-<file path=ppt/slides/slide2.xml><?xml version="1.0" encoding="utf-8"?>
+<file path=ppt/slides/slide23.xml><?xml version="1.0" encoding="utf-8"?>
 <p:sld xmlns:a="http://schemas.openxmlformats.org/drawingml/2006/main" xmlns:r="http://schemas.openxmlformats.org/officeDocument/2006/relationships" xmlns:p="http://schemas.openxmlformats.org/presentationml/2006/main">
   <p:cSld>
     <p:spTree>
@@ -7962,82 +8462,6 @@
     </p:spTree>
     <p:extLst>
       <p:ext uri="{BB962C8B-B14F-4D97-AF65-F5344CB8AC3E}">
-        <p14:creationId xmlns:p14="http://schemas.microsoft.com/office/powerpoint/2010/main" val="1726345161"/>
-      </p:ext>
-    </p:extLst>
-  </p:cSld>
-  <p:clrMapOvr>
-    <a:masterClrMapping/>
-  </p:clrMapOvr>
-</p:sld>
-</file>
-
-<file path=ppt/slides/slide20.xml><?xml version="1.0" encoding="utf-8"?>
-<p:sld xmlns:a="http://schemas.openxmlformats.org/drawingml/2006/main" xmlns:r="http://schemas.openxmlformats.org/officeDocument/2006/relationships" xmlns:p="http://schemas.openxmlformats.org/presentationml/2006/main">
-  <p:cSld>
-    <p:spTree>
-      <p:nvGrpSpPr>
-        <p:cNvPr id="1" name=""/>
-        <p:cNvGrpSpPr/>
-        <p:nvPr/>
-      </p:nvGrpSpPr>
-      <p:grpSpPr>
-        <a:xfrm>
-          <a:off x="0" y="0"/>
-          <a:ext cx="0" cy="0"/>
-          <a:chOff x="0" y="0"/>
-          <a:chExt cx="0" cy="0"/>
-        </a:xfrm>
-      </p:grpSpPr>
-      <p:sp>
-        <p:nvSpPr>
-          <p:cNvPr id="3" name="Text Placeholder 2">
-            <a:extLst>
-              <a:ext uri="{FF2B5EF4-FFF2-40B4-BE49-F238E27FC236}">
-                <a16:creationId xmlns:a16="http://schemas.microsoft.com/office/drawing/2014/main" id="{9444D8A4-55C0-45A4-81E0-D7AE795EF1F8}"/>
-              </a:ext>
-            </a:extLst>
-          </p:cNvPr>
-          <p:cNvSpPr>
-            <a:spLocks noGrp="1"/>
-          </p:cNvSpPr>
-          <p:nvPr>
-            <p:ph type="body" idx="1"/>
-          </p:nvPr>
-        </p:nvSpPr>
-        <p:spPr>
-          <a:xfrm>
-            <a:off x="1005840" y="3209545"/>
-            <a:ext cx="12618720" cy="1810511"/>
-          </a:xfrm>
-          <a:ln w="76200">
-            <a:solidFill>
-              <a:srgbClr val="FF0000"/>
-            </a:solidFill>
-          </a:ln>
-        </p:spPr>
-        <p:txBody>
-          <a:bodyPr anchor="ctr">
-            <a:normAutofit/>
-          </a:bodyPr>
-          <a:lstStyle/>
-          <a:p>
-            <a:pPr algn="ctr"/>
-            <a:r>
-              <a:rPr lang="en-US" sz="5760" dirty="0">
-                <a:solidFill>
-                  <a:schemeClr val="tx1"/>
-                </a:solidFill>
-                <a:latin typeface="Avenir Next LT Pro Demi" panose="020B0704020202020204" pitchFamily="34" charset="0"/>
-              </a:rPr>
-              <a:t>Can the pandemic be monitored through wastewater surveillance?</a:t>
-            </a:r>
-          </a:p>
-        </p:txBody>
-      </p:sp>
-    </p:spTree>
-    <p:extLst>
-      <p:ext uri="{BB962C8B-B14F-4D97-AF65-F5344CB8AC3E}">
         <p14:creationId xmlns:p14="http://schemas.microsoft.com/office/powerpoint/2010/main" val="3027235144"/>
       </p:ext>
     </p:extLst>
@@ -8048,7 +8472,7 @@
 </p:sld>
 </file>
 
-<file path=ppt/slides/slide21.xml><?xml version="1.0" encoding="utf-8"?>
+<file path=ppt/slides/slide24.xml><?xml version="1.0" encoding="utf-8"?>
 <p:sld xmlns:a="http://schemas.openxmlformats.org/drawingml/2006/main" xmlns:r="http://schemas.openxmlformats.org/officeDocument/2006/relationships" xmlns:p="http://schemas.openxmlformats.org/presentationml/2006/main">
   <p:cSld>
     <p:spTree>
@@ -8116,6 +8540,12 @@
           <a:p>
             <a:r>
               <a:rPr lang="en-US" dirty="0"/>
+              <a:t>8-14-day lag behind “true” incidence</a:t>
+            </a:r>
+          </a:p>
+          <a:p>
+            <a:r>
+              <a:rPr lang="en-US" dirty="0"/>
               <a:t>~1-day lead of to 6-day lag behind reported symptoms</a:t>
             </a:r>
           </a:p>
@@ -8176,7 +8606,7 @@
 </p:sld>
 </file>
 
-<file path=ppt/slides/slide22.xml><?xml version="1.0" encoding="utf-8"?>
+<file path=ppt/slides/slide25.xml><?xml version="1.0" encoding="utf-8"?>
 <p:sld xmlns:a="http://schemas.openxmlformats.org/drawingml/2006/main" xmlns:r="http://schemas.openxmlformats.org/officeDocument/2006/relationships" xmlns:p="http://schemas.openxmlformats.org/presentationml/2006/main">
   <p:cSld>
     <p:spTree>
@@ -8241,7 +8671,7 @@
 </p:sld>
 </file>
 
-<file path=ppt/slides/slide23.xml><?xml version="1.0" encoding="utf-8"?>
+<file path=ppt/slides/slide26.xml><?xml version="1.0" encoding="utf-8"?>
 <p:sld xmlns:a="http://schemas.openxmlformats.org/drawingml/2006/main" xmlns:r="http://schemas.openxmlformats.org/officeDocument/2006/relationships" xmlns:p="http://schemas.openxmlformats.org/presentationml/2006/main">
   <p:cSld>
     <p:spTree>
@@ -8281,7 +8711,7 @@
           <a:p>
             <a:r>
               <a:rPr lang="en-US" dirty="0"/>
-              <a:t>Thank you!</a:t>
+              <a:t>Acknowledgements</a:t>
             </a:r>
           </a:p>
         </p:txBody>
@@ -9843,7 +10273,7 @@
         </p:spPr>
         <p:txBody>
           <a:bodyPr vert="horz" lIns="109728" tIns="54864" rIns="109728" bIns="54864" numCol="1" rtlCol="0">
-            <a:normAutofit/>
+            <a:normAutofit fontScale="92500" lnSpcReduction="10000"/>
           </a:bodyPr>
           <a:lstStyle>
             <a:lvl1pPr marL="0" indent="0" algn="l" defTabSz="914400" rtl="0" eaLnBrk="1" latinLnBrk="0" hangingPunct="1">
@@ -10027,6 +10457,21 @@
               </a:defRPr>
             </a:lvl9pPr>
           </a:lstStyle>
+          <a:p>
+            <a:pPr marL="411480" indent="-411480">
+              <a:buFont typeface="Arial" panose="020B0604020202020204" pitchFamily="34" charset="0"/>
+              <a:buChar char="•"/>
+            </a:pPr>
+            <a:r>
+              <a:rPr lang="en-US" sz="2880" dirty="0">
+                <a:solidFill>
+                  <a:schemeClr val="tx1"/>
+                </a:solidFill>
+                <a:latin typeface="Avenir Next LT Pro" panose="020B0504020202020204" pitchFamily="34" charset="0"/>
+              </a:rPr>
+              <a:t>Sampling Frequencies and Observations</a:t>
+            </a:r>
+          </a:p>
           <a:p>
             <a:pPr marL="411480" indent="-411480">
               <a:buFont typeface="Arial" panose="020B0604020202020204" pitchFamily="34" charset="0"/>
@@ -10091,10 +10536,10 @@
       </p:grpSpPr>
       <p:pic>
         <p:nvPicPr>
-          <p:cNvPr id="7" name="Picture 6" descr="A picture containing different, line&#10;&#10;Description automatically generated">
+          <p:cNvPr id="3" name="Picture 2" descr="A picture containing chart&#10;&#10;Description automatically generated">
             <a:extLst>
               <a:ext uri="{FF2B5EF4-FFF2-40B4-BE49-F238E27FC236}">
-                <a16:creationId xmlns:a16="http://schemas.microsoft.com/office/drawing/2014/main" id="{8BCBDF50-B1A1-441B-8C83-97426A912755}"/>
+                <a16:creationId xmlns:a16="http://schemas.microsoft.com/office/drawing/2014/main" id="{2969DF05-C9FB-4594-8BFC-1739F1C55F64}"/>
               </a:ext>
             </a:extLst>
           </p:cNvPr>
@@ -10118,199 +10563,17 @@
         <p:spPr>
           <a:xfrm>
             <a:off x="0" y="0"/>
-            <a:ext cx="8778258" cy="4937770"/>
+            <a:ext cx="14630400" cy="8229600"/>
           </a:xfrm>
           <a:prstGeom prst="rect">
             <a:avLst/>
           </a:prstGeom>
         </p:spPr>
       </p:pic>
-      <p:pic>
-        <p:nvPicPr>
-          <p:cNvPr id="9" name="Picture 8" descr="Diagram&#10;&#10;Description automatically generated">
-            <a:extLst>
-              <a:ext uri="{FF2B5EF4-FFF2-40B4-BE49-F238E27FC236}">
-                <a16:creationId xmlns:a16="http://schemas.microsoft.com/office/drawing/2014/main" id="{9F405E47-1A4F-4E6D-88E7-5B30C89B9901}"/>
-              </a:ext>
-            </a:extLst>
-          </p:cNvPr>
-          <p:cNvPicPr>
-            <a:picLocks noChangeAspect="1"/>
-          </p:cNvPicPr>
-          <p:nvPr/>
-        </p:nvPicPr>
-        <p:blipFill>
-          <a:blip r:embed="rId3">
-            <a:extLst>
-              <a:ext uri="{28A0092B-C50C-407E-A947-70E740481C1C}">
-                <a14:useLocalDpi xmlns:a14="http://schemas.microsoft.com/office/drawing/2010/main" val="0"/>
-              </a:ext>
-            </a:extLst>
-          </a:blip>
-          <a:stretch>
-            <a:fillRect/>
-          </a:stretch>
-        </p:blipFill>
-        <p:spPr>
-          <a:xfrm>
-            <a:off x="8778228" y="337531"/>
-            <a:ext cx="5852172" cy="3291847"/>
-          </a:xfrm>
-          <a:prstGeom prst="rect">
-            <a:avLst/>
-          </a:prstGeom>
-        </p:spPr>
-      </p:pic>
-      <p:pic>
-        <p:nvPicPr>
-          <p:cNvPr id="11" name="Picture 10" descr="Chart&#10;&#10;Description automatically generated with medium confidence">
-            <a:extLst>
-              <a:ext uri="{FF2B5EF4-FFF2-40B4-BE49-F238E27FC236}">
-                <a16:creationId xmlns:a16="http://schemas.microsoft.com/office/drawing/2014/main" id="{6EE89115-F527-4B52-911C-B1BD32C19D6E}"/>
-              </a:ext>
-            </a:extLst>
-          </p:cNvPr>
-          <p:cNvPicPr>
-            <a:picLocks noChangeAspect="1"/>
-          </p:cNvPicPr>
-          <p:nvPr/>
-        </p:nvPicPr>
-        <p:blipFill>
-          <a:blip r:embed="rId4">
-            <a:extLst>
-              <a:ext uri="{28A0092B-C50C-407E-A947-70E740481C1C}">
-                <a14:useLocalDpi xmlns:a14="http://schemas.microsoft.com/office/drawing/2010/main" val="0"/>
-              </a:ext>
-            </a:extLst>
-          </a:blip>
-          <a:stretch>
-            <a:fillRect/>
-          </a:stretch>
-        </p:blipFill>
-        <p:spPr>
-          <a:xfrm>
-            <a:off x="8778228" y="4600222"/>
-            <a:ext cx="5852172" cy="3291847"/>
-          </a:xfrm>
-          <a:prstGeom prst="rect">
-            <a:avLst/>
-          </a:prstGeom>
-        </p:spPr>
-      </p:pic>
-      <p:sp>
-        <p:nvSpPr>
-          <p:cNvPr id="12" name="TextBox 11">
-            <a:extLst>
-              <a:ext uri="{FF2B5EF4-FFF2-40B4-BE49-F238E27FC236}">
-                <a16:creationId xmlns:a16="http://schemas.microsoft.com/office/drawing/2014/main" id="{603BC529-55D8-48AD-BBE8-71713A34314B}"/>
-              </a:ext>
-            </a:extLst>
-          </p:cNvPr>
-          <p:cNvSpPr txBox="1"/>
-          <p:nvPr/>
-        </p:nvSpPr>
-        <p:spPr>
-          <a:xfrm>
-            <a:off x="0" y="5226756"/>
-            <a:ext cx="8778228" cy="2862322"/>
-          </a:xfrm>
-          <a:prstGeom prst="rect">
-            <a:avLst/>
-          </a:prstGeom>
-          <a:noFill/>
-        </p:spPr>
-        <p:txBody>
-          <a:bodyPr wrap="square" rtlCol="0">
-            <a:spAutoFit/>
-          </a:bodyPr>
-          <a:lstStyle/>
-          <a:p>
-            <a:pPr marL="285750" indent="-285750">
-              <a:buFont typeface="Arial" panose="020B0604020202020204" pitchFamily="34" charset="0"/>
-              <a:buChar char="•"/>
-            </a:pPr>
-            <a:r>
-              <a:rPr lang="en-US" dirty="0">
-                <a:latin typeface="Avenir Next LT Pro" panose="020B0504020202020204" pitchFamily="34" charset="0"/>
-              </a:rPr>
-              <a:t>1567 of 2124 (73.7%) undetermined</a:t>
-            </a:r>
-          </a:p>
-          <a:p>
-            <a:pPr marL="285750" indent="-285750">
-              <a:buFont typeface="Arial" panose="020B0604020202020204" pitchFamily="34" charset="0"/>
-              <a:buChar char="•"/>
-            </a:pPr>
-            <a:r>
-              <a:rPr lang="en-US" dirty="0">
-                <a:latin typeface="Avenir Next LT Pro" panose="020B0504020202020204" pitchFamily="34" charset="0"/>
-              </a:rPr>
-              <a:t>Average of 13 positive results for each day</a:t>
-            </a:r>
-          </a:p>
-          <a:p>
-            <a:pPr marL="285750" indent="-285750">
-              <a:buFont typeface="Arial" panose="020B0604020202020204" pitchFamily="34" charset="0"/>
-              <a:buChar char="•"/>
-            </a:pPr>
-            <a:r>
-              <a:rPr lang="en-US" dirty="0">
-                <a:latin typeface="Avenir Next LT Pro" panose="020B0504020202020204" pitchFamily="34" charset="0"/>
-              </a:rPr>
-              <a:t>Over 80% of sampling dates have more than 6 positive results</a:t>
-            </a:r>
-          </a:p>
-          <a:p>
-            <a:pPr marL="285750" indent="-285750">
-              <a:buFont typeface="Arial" panose="020B0604020202020204" pitchFamily="34" charset="0"/>
-              <a:buChar char="•"/>
-            </a:pPr>
-            <a:endParaRPr lang="en-US" dirty="0">
-              <a:latin typeface="Avenir Next LT Pro" panose="020B0504020202020204" pitchFamily="34" charset="0"/>
-            </a:endParaRPr>
-          </a:p>
-          <a:p>
-            <a:pPr marL="285750" indent="-285750">
-              <a:buFont typeface="Arial" panose="020B0604020202020204" pitchFamily="34" charset="0"/>
-              <a:buChar char="•"/>
-            </a:pPr>
-            <a:r>
-              <a:rPr lang="en-US" dirty="0">
-                <a:latin typeface="Avenir Next LT Pro" panose="020B0504020202020204" pitchFamily="34" charset="0"/>
-              </a:rPr>
-              <a:t>At technical and biological replicate levels, significant facility differences in probabilities of undetermined results (p = 0.004 and p = 0.003, respectively) after controlling for sequence target.</a:t>
-            </a:r>
-          </a:p>
-          <a:p>
-            <a:pPr marL="742950" lvl="1" indent="-285750">
-              <a:buFont typeface="Arial" panose="020B0604020202020204" pitchFamily="34" charset="0"/>
-              <a:buChar char="•"/>
-            </a:pPr>
-            <a:r>
-              <a:rPr lang="en-US" dirty="0">
-                <a:latin typeface="Avenir Next LT Pro" panose="020B0504020202020204" pitchFamily="34" charset="0"/>
-              </a:rPr>
-              <a:t>Cedar Creek samples were more likely undetermined</a:t>
-            </a:r>
-          </a:p>
-          <a:p>
-            <a:pPr marL="285750" indent="-285750">
-              <a:buFont typeface="Arial" panose="020B0604020202020204" pitchFamily="34" charset="0"/>
-              <a:buChar char="•"/>
-            </a:pPr>
-            <a:r>
-              <a:rPr lang="en-US" dirty="0">
-                <a:latin typeface="Avenir Next LT Pro" panose="020B0504020202020204" pitchFamily="34" charset="0"/>
-              </a:rPr>
-              <a:t>No significant differences at sampling date level, nor for viral sequence target at any levels (multiple logistic regression* with both target and facility included)</a:t>
-            </a:r>
-          </a:p>
-        </p:txBody>
-      </p:sp>
     </p:spTree>
     <p:extLst>
       <p:ext uri="{BB962C8B-B14F-4D97-AF65-F5344CB8AC3E}">
-        <p14:creationId xmlns:p14="http://schemas.microsoft.com/office/powerpoint/2010/main" val="2418482336"/>
+        <p14:creationId xmlns:p14="http://schemas.microsoft.com/office/powerpoint/2010/main" val="2145626972"/>
       </p:ext>
     </p:extLst>
   </p:cSld>
@@ -10339,10 +10602,10 @@
       </p:grpSpPr>
       <p:pic>
         <p:nvPicPr>
-          <p:cNvPr id="3" name="Picture 2" descr="Chart, histogram&#10;&#10;Description automatically generated">
+          <p:cNvPr id="2" name="Picture 1">
             <a:extLst>
               <a:ext uri="{FF2B5EF4-FFF2-40B4-BE49-F238E27FC236}">
-                <a16:creationId xmlns:a16="http://schemas.microsoft.com/office/drawing/2014/main" id="{4F6169A0-2277-430B-81CA-726FC03FAE4B}"/>
+                <a16:creationId xmlns:a16="http://schemas.microsoft.com/office/drawing/2014/main" id="{CA62DFF1-F985-48BC-8DA3-2A2B624CA8B8}"/>
               </a:ext>
             </a:extLst>
           </p:cNvPr>
@@ -10351,22 +10614,15 @@
           </p:cNvPicPr>
           <p:nvPr/>
         </p:nvPicPr>
-        <p:blipFill>
-          <a:blip r:embed="rId2">
-            <a:extLst>
-              <a:ext uri="{28A0092B-C50C-407E-A947-70E740481C1C}">
-                <a14:useLocalDpi xmlns:a14="http://schemas.microsoft.com/office/drawing/2010/main" val="0"/>
-              </a:ext>
-            </a:extLst>
-          </a:blip>
-          <a:stretch>
-            <a:fillRect/>
-          </a:stretch>
+        <p:blipFill rotWithShape="1">
+          <a:blip r:embed="rId2"/>
+          <a:srcRect b="64761"/>
+          <a:stretch/>
         </p:blipFill>
         <p:spPr>
           <a:xfrm>
-            <a:off x="0" y="1645915"/>
-            <a:ext cx="8778258" cy="4937770"/>
+            <a:off x="8648806" y="0"/>
+            <a:ext cx="4797968" cy="2702602"/>
           </a:xfrm>
           <a:prstGeom prst="rect">
             <a:avLst/>
@@ -10375,10 +10631,10 @@
       </p:pic>
       <p:pic>
         <p:nvPicPr>
-          <p:cNvPr id="7" name="Picture 6" descr="Diagram&#10;&#10;Description automatically generated">
+          <p:cNvPr id="6" name="Picture 5">
             <a:extLst>
               <a:ext uri="{FF2B5EF4-FFF2-40B4-BE49-F238E27FC236}">
-                <a16:creationId xmlns:a16="http://schemas.microsoft.com/office/drawing/2014/main" id="{7DEDA44B-C0DB-44F8-BA84-2B9FB710CE62}"/>
+                <a16:creationId xmlns:a16="http://schemas.microsoft.com/office/drawing/2014/main" id="{E9D15BFA-5930-4125-9067-A139C9476424}"/>
               </a:ext>
             </a:extLst>
           </p:cNvPr>
@@ -10387,32 +10643,267 @@
           </p:cNvPicPr>
           <p:nvPr/>
         </p:nvPicPr>
-        <p:blipFill>
-          <a:blip r:embed="rId3">
-            <a:extLst>
-              <a:ext uri="{28A0092B-C50C-407E-A947-70E740481C1C}">
-                <a14:useLocalDpi xmlns:a14="http://schemas.microsoft.com/office/drawing/2010/main" val="0"/>
-              </a:ext>
-            </a:extLst>
-          </a:blip>
-          <a:stretch>
-            <a:fillRect/>
-          </a:stretch>
+        <p:blipFill rotWithShape="1">
+          <a:blip r:embed="rId3"/>
+          <a:srcRect b="6151"/>
+          <a:stretch/>
         </p:blipFill>
         <p:spPr>
           <a:xfrm>
-            <a:off x="8778258" y="822953"/>
-            <a:ext cx="5852172" cy="6583693"/>
+            <a:off x="9429161" y="4430485"/>
+            <a:ext cx="3237257" cy="3799115"/>
           </a:xfrm>
           <a:prstGeom prst="rect">
             <a:avLst/>
           </a:prstGeom>
         </p:spPr>
       </p:pic>
+      <p:pic>
+        <p:nvPicPr>
+          <p:cNvPr id="5" name="Picture 4">
+            <a:extLst>
+              <a:ext uri="{FF2B5EF4-FFF2-40B4-BE49-F238E27FC236}">
+                <a16:creationId xmlns:a16="http://schemas.microsoft.com/office/drawing/2014/main" id="{0804986F-0A22-47A9-A251-B559A0B32AEA}"/>
+              </a:ext>
+            </a:extLst>
+          </p:cNvPr>
+          <p:cNvPicPr>
+            <a:picLocks noChangeAspect="1"/>
+          </p:cNvPicPr>
+          <p:nvPr/>
+        </p:nvPicPr>
+        <p:blipFill rotWithShape="1">
+          <a:blip r:embed="rId2"/>
+          <a:srcRect l="60260" t="33999" r="1851" b="16465"/>
+          <a:stretch/>
+        </p:blipFill>
+        <p:spPr>
+          <a:xfrm>
+            <a:off x="10453843" y="2557871"/>
+            <a:ext cx="1187895" cy="2482488"/>
+          </a:xfrm>
+          <a:prstGeom prst="ellipse">
+            <a:avLst/>
+          </a:prstGeom>
+        </p:spPr>
+      </p:pic>
+      <p:sp>
+        <p:nvSpPr>
+          <p:cNvPr id="7" name="TextBox 6">
+            <a:extLst>
+              <a:ext uri="{FF2B5EF4-FFF2-40B4-BE49-F238E27FC236}">
+                <a16:creationId xmlns:a16="http://schemas.microsoft.com/office/drawing/2014/main" id="{0E764CF1-4A77-47E3-983B-CFF34CADE736}"/>
+              </a:ext>
+            </a:extLst>
+          </p:cNvPr>
+          <p:cNvSpPr txBox="1"/>
+          <p:nvPr/>
+        </p:nvSpPr>
+        <p:spPr>
+          <a:xfrm>
+            <a:off x="4963886" y="-94259"/>
+            <a:ext cx="3635969" cy="7017306"/>
+          </a:xfrm>
+          <a:prstGeom prst="rect">
+            <a:avLst/>
+          </a:prstGeom>
+          <a:noFill/>
+        </p:spPr>
+        <p:txBody>
+          <a:bodyPr wrap="square" rtlCol="0">
+            <a:spAutoFit/>
+          </a:bodyPr>
+          <a:lstStyle/>
+          <a:p>
+            <a:endParaRPr lang="en-US" dirty="0">
+              <a:latin typeface="Avenir Next LT Pro" panose="020B0504020202020204" pitchFamily="34" charset="0"/>
+            </a:endParaRPr>
+          </a:p>
+          <a:p>
+            <a:endParaRPr lang="en-US" dirty="0">
+              <a:latin typeface="Avenir Next LT Pro" panose="020B0504020202020204" pitchFamily="34" charset="0"/>
+            </a:endParaRPr>
+          </a:p>
+          <a:p>
+            <a:endParaRPr lang="en-US" dirty="0">
+              <a:latin typeface="Avenir Next LT Pro" panose="020B0504020202020204" pitchFamily="34" charset="0"/>
+            </a:endParaRPr>
+          </a:p>
+          <a:p>
+            <a:endParaRPr lang="en-US" dirty="0">
+              <a:latin typeface="Avenir Next LT Pro" panose="020B0504020202020204" pitchFamily="34" charset="0"/>
+            </a:endParaRPr>
+          </a:p>
+          <a:p>
+            <a:endParaRPr lang="en-US" dirty="0">
+              <a:latin typeface="Avenir Next LT Pro" panose="020B0504020202020204" pitchFamily="34" charset="0"/>
+            </a:endParaRPr>
+          </a:p>
+          <a:p>
+            <a:r>
+              <a:rPr lang="en-US" sz="3600" dirty="0">
+                <a:latin typeface="Avenir Next LT Pro Demi" panose="020B0704020202020204" pitchFamily="34" charset="0"/>
+              </a:rPr>
+              <a:t>3</a:t>
+            </a:r>
+            <a:r>
+              <a:rPr lang="en-US" dirty="0">
+                <a:latin typeface="Avenir Next LT Pro" panose="020B0504020202020204" pitchFamily="34" charset="0"/>
+              </a:rPr>
+              <a:t> WRF</a:t>
+            </a:r>
+          </a:p>
+          <a:p>
+            <a:endParaRPr lang="en-US" dirty="0">
+              <a:latin typeface="Avenir Next LT Pro" panose="020B0504020202020204" pitchFamily="34" charset="0"/>
+            </a:endParaRPr>
+          </a:p>
+          <a:p>
+            <a:endParaRPr lang="en-US" dirty="0">
+              <a:latin typeface="Avenir Next LT Pro" panose="020B0504020202020204" pitchFamily="34" charset="0"/>
+            </a:endParaRPr>
+          </a:p>
+          <a:p>
+            <a:endParaRPr lang="en-US" dirty="0">
+              <a:latin typeface="Avenir Next LT Pro" panose="020B0504020202020204" pitchFamily="34" charset="0"/>
+            </a:endParaRPr>
+          </a:p>
+          <a:p>
+            <a:endParaRPr lang="en-US" dirty="0">
+              <a:latin typeface="Avenir Next LT Pro" panose="020B0504020202020204" pitchFamily="34" charset="0"/>
+            </a:endParaRPr>
+          </a:p>
+          <a:p>
+            <a:endParaRPr lang="en-US" dirty="0">
+              <a:latin typeface="Avenir Next LT Pro" panose="020B0504020202020204" pitchFamily="34" charset="0"/>
+            </a:endParaRPr>
+          </a:p>
+          <a:p>
+            <a:r>
+              <a:rPr lang="en-US" sz="3600" dirty="0">
+                <a:latin typeface="Avenir Next LT Pro Demi" panose="020B0704020202020204" pitchFamily="34" charset="0"/>
+              </a:rPr>
+              <a:t>3</a:t>
+            </a:r>
+            <a:r>
+              <a:rPr lang="en-US" dirty="0">
+                <a:latin typeface="Avenir Next LT Pro" panose="020B0504020202020204" pitchFamily="34" charset="0"/>
+              </a:rPr>
+              <a:t> 24-hour composite samples</a:t>
+            </a:r>
+          </a:p>
+          <a:p>
+            <a:endParaRPr lang="en-US" dirty="0">
+              <a:latin typeface="Avenir Next LT Pro" panose="020B0504020202020204" pitchFamily="34" charset="0"/>
+            </a:endParaRPr>
+          </a:p>
+          <a:p>
+            <a:endParaRPr lang="en-US" dirty="0">
+              <a:latin typeface="Avenir Next LT Pro" panose="020B0504020202020204" pitchFamily="34" charset="0"/>
+            </a:endParaRPr>
+          </a:p>
+          <a:p>
+            <a:endParaRPr lang="en-US" dirty="0">
+              <a:latin typeface="Avenir Next LT Pro" panose="020B0504020202020204" pitchFamily="34" charset="0"/>
+            </a:endParaRPr>
+          </a:p>
+          <a:p>
+            <a:endParaRPr lang="en-US" dirty="0">
+              <a:latin typeface="Avenir Next LT Pro" panose="020B0504020202020204" pitchFamily="34" charset="0"/>
+            </a:endParaRPr>
+          </a:p>
+          <a:p>
+            <a:endParaRPr lang="en-US" dirty="0">
+              <a:latin typeface="Avenir Next LT Pro" panose="020B0504020202020204" pitchFamily="34" charset="0"/>
+            </a:endParaRPr>
+          </a:p>
+          <a:p>
+            <a:r>
+              <a:rPr lang="en-US" sz="3600" dirty="0">
+                <a:latin typeface="Avenir Next LT Pro Demi" panose="020B0704020202020204" pitchFamily="34" charset="0"/>
+              </a:rPr>
+              <a:t>2</a:t>
+            </a:r>
+            <a:r>
+              <a:rPr lang="en-US" dirty="0">
+                <a:latin typeface="Avenir Next LT Pro" panose="020B0504020202020204" pitchFamily="34" charset="0"/>
+              </a:rPr>
+              <a:t> viral sequence targets </a:t>
+            </a:r>
+          </a:p>
+          <a:p>
+            <a:endParaRPr lang="en-US" dirty="0">
+              <a:latin typeface="Avenir Next LT Pro" panose="020B0504020202020204" pitchFamily="34" charset="0"/>
+            </a:endParaRPr>
+          </a:p>
+          <a:p>
+            <a:endParaRPr lang="en-US" dirty="0">
+              <a:latin typeface="Avenir Next LT Pro" panose="020B0504020202020204" pitchFamily="34" charset="0"/>
+            </a:endParaRPr>
+          </a:p>
+          <a:p>
+            <a:r>
+              <a:rPr lang="en-US" sz="3600" dirty="0">
+                <a:latin typeface="Avenir Next LT Pro Demi" panose="020B0704020202020204" pitchFamily="34" charset="0"/>
+              </a:rPr>
+              <a:t>3</a:t>
+            </a:r>
+            <a:r>
+              <a:rPr lang="en-US" dirty="0">
+                <a:latin typeface="Avenir Next LT Pro" panose="020B0504020202020204" pitchFamily="34" charset="0"/>
+              </a:rPr>
+              <a:t> technical replicates</a:t>
+            </a:r>
+          </a:p>
+        </p:txBody>
+      </p:sp>
+      <p:sp>
+        <p:nvSpPr>
+          <p:cNvPr id="8" name="TextBox 7">
+            <a:extLst>
+              <a:ext uri="{FF2B5EF4-FFF2-40B4-BE49-F238E27FC236}">
+                <a16:creationId xmlns:a16="http://schemas.microsoft.com/office/drawing/2014/main" id="{DC31C95E-4C55-464F-90CD-9D31D0797040}"/>
+              </a:ext>
+            </a:extLst>
+          </p:cNvPr>
+          <p:cNvSpPr txBox="1"/>
+          <p:nvPr/>
+        </p:nvSpPr>
+        <p:spPr>
+          <a:xfrm>
+            <a:off x="3258099" y="124897"/>
+            <a:ext cx="6171062" cy="769441"/>
+          </a:xfrm>
+          <a:prstGeom prst="rect">
+            <a:avLst/>
+          </a:prstGeom>
+          <a:noFill/>
+        </p:spPr>
+        <p:txBody>
+          <a:bodyPr wrap="square" rtlCol="0">
+            <a:spAutoFit/>
+          </a:bodyPr>
+          <a:lstStyle/>
+          <a:p>
+            <a:r>
+              <a:rPr lang="en-US" sz="4400" dirty="0">
+                <a:latin typeface="Avenir Next LT Pro Demi" panose="020B0704020202020204" pitchFamily="34" charset="0"/>
+              </a:rPr>
+              <a:t>~54</a:t>
+            </a:r>
+            <a:r>
+              <a:rPr lang="en-US" sz="2400" dirty="0">
+                <a:latin typeface="Avenir Next LT Pro" panose="020B0504020202020204" pitchFamily="34" charset="0"/>
+              </a:rPr>
+              <a:t> RT-qPCR results per sampling date</a:t>
+            </a:r>
+          </a:p>
+        </p:txBody>
+      </p:sp>
     </p:spTree>
     <p:extLst>
       <p:ext uri="{BB962C8B-B14F-4D97-AF65-F5344CB8AC3E}">
-        <p14:creationId xmlns:p14="http://schemas.microsoft.com/office/powerpoint/2010/main" val="2487671756"/>
+        <p14:creationId xmlns:p14="http://schemas.microsoft.com/office/powerpoint/2010/main" val="2950076373"/>
       </p:ext>
     </p:extLst>
   </p:cSld>
